--- a/docs/Инженерный проект 2021.pptx
+++ b/docs/Инженерный проект 2021.pptx
@@ -264,7 +264,7 @@
           <a:p>
             <a:fld id="{92B6AB1A-FF2F-445C-A9D4-21B91D68CBFC}" type="datetimeFigureOut">
               <a:rPr lang="ru-RU" smtClean="0"/>
-              <a:t>30.06.2021</a:t>
+              <a:t>26.06.2021</a:t>
             </a:fld>
             <a:endParaRPr lang="ru-RU"/>
           </a:p>
@@ -434,7 +434,7 @@
           <a:p>
             <a:fld id="{92B6AB1A-FF2F-445C-A9D4-21B91D68CBFC}" type="datetimeFigureOut">
               <a:rPr lang="ru-RU" smtClean="0"/>
-              <a:t>30.06.2021</a:t>
+              <a:t>26.06.2021</a:t>
             </a:fld>
             <a:endParaRPr lang="ru-RU"/>
           </a:p>
@@ -614,7 +614,7 @@
           <a:p>
             <a:fld id="{92B6AB1A-FF2F-445C-A9D4-21B91D68CBFC}" type="datetimeFigureOut">
               <a:rPr lang="ru-RU" smtClean="0"/>
-              <a:t>30.06.2021</a:t>
+              <a:t>26.06.2021</a:t>
             </a:fld>
             <a:endParaRPr lang="ru-RU"/>
           </a:p>
@@ -784,7 +784,7 @@
           <a:p>
             <a:fld id="{92B6AB1A-FF2F-445C-A9D4-21B91D68CBFC}" type="datetimeFigureOut">
               <a:rPr lang="ru-RU" smtClean="0"/>
-              <a:t>30.06.2021</a:t>
+              <a:t>26.06.2021</a:t>
             </a:fld>
             <a:endParaRPr lang="ru-RU"/>
           </a:p>
@@ -1030,7 +1030,7 @@
           <a:p>
             <a:fld id="{92B6AB1A-FF2F-445C-A9D4-21B91D68CBFC}" type="datetimeFigureOut">
               <a:rPr lang="ru-RU" smtClean="0"/>
-              <a:t>30.06.2021</a:t>
+              <a:t>26.06.2021</a:t>
             </a:fld>
             <a:endParaRPr lang="ru-RU"/>
           </a:p>
@@ -1262,7 +1262,7 @@
           <a:p>
             <a:fld id="{92B6AB1A-FF2F-445C-A9D4-21B91D68CBFC}" type="datetimeFigureOut">
               <a:rPr lang="ru-RU" smtClean="0"/>
-              <a:t>30.06.2021</a:t>
+              <a:t>26.06.2021</a:t>
             </a:fld>
             <a:endParaRPr lang="ru-RU"/>
           </a:p>
@@ -1629,7 +1629,7 @@
           <a:p>
             <a:fld id="{92B6AB1A-FF2F-445C-A9D4-21B91D68CBFC}" type="datetimeFigureOut">
               <a:rPr lang="ru-RU" smtClean="0"/>
-              <a:t>30.06.2021</a:t>
+              <a:t>26.06.2021</a:t>
             </a:fld>
             <a:endParaRPr lang="ru-RU"/>
           </a:p>
@@ -1747,7 +1747,7 @@
           <a:p>
             <a:fld id="{92B6AB1A-FF2F-445C-A9D4-21B91D68CBFC}" type="datetimeFigureOut">
               <a:rPr lang="ru-RU" smtClean="0"/>
-              <a:t>30.06.2021</a:t>
+              <a:t>26.06.2021</a:t>
             </a:fld>
             <a:endParaRPr lang="ru-RU"/>
           </a:p>
@@ -1842,7 +1842,7 @@
           <a:p>
             <a:fld id="{92B6AB1A-FF2F-445C-A9D4-21B91D68CBFC}" type="datetimeFigureOut">
               <a:rPr lang="ru-RU" smtClean="0"/>
-              <a:t>30.06.2021</a:t>
+              <a:t>26.06.2021</a:t>
             </a:fld>
             <a:endParaRPr lang="ru-RU"/>
           </a:p>
@@ -2119,7 +2119,7 @@
           <a:p>
             <a:fld id="{92B6AB1A-FF2F-445C-A9D4-21B91D68CBFC}" type="datetimeFigureOut">
               <a:rPr lang="ru-RU" smtClean="0"/>
-              <a:t>30.06.2021</a:t>
+              <a:t>26.06.2021</a:t>
             </a:fld>
             <a:endParaRPr lang="ru-RU"/>
           </a:p>
@@ -2372,7 +2372,7 @@
           <a:p>
             <a:fld id="{92B6AB1A-FF2F-445C-A9D4-21B91D68CBFC}" type="datetimeFigureOut">
               <a:rPr lang="ru-RU" smtClean="0"/>
-              <a:t>30.06.2021</a:t>
+              <a:t>26.06.2021</a:t>
             </a:fld>
             <a:endParaRPr lang="ru-RU"/>
           </a:p>
@@ -2585,7 +2585,7 @@
           <a:p>
             <a:fld id="{92B6AB1A-FF2F-445C-A9D4-21B91D68CBFC}" type="datetimeFigureOut">
               <a:rPr lang="ru-RU" smtClean="0"/>
-              <a:t>30.06.2021</a:t>
+              <a:t>26.06.2021</a:t>
             </a:fld>
             <a:endParaRPr lang="ru-RU"/>
           </a:p>
@@ -3161,7 +3161,7 @@
       </p:sp>
       <p:pic>
         <p:nvPicPr>
-          <p:cNvPr id="4" name="Рисунок 3"/>
+          <p:cNvPr id="2" name="Рисунок 1"/>
           <p:cNvPicPr>
             <a:picLocks noChangeAspect="1"/>
           </p:cNvPicPr>
@@ -3175,8 +3175,8 @@
         </p:blipFill>
         <p:spPr>
           <a:xfrm>
-            <a:off x="1155700" y="1761357"/>
-            <a:ext cx="9880600" cy="4960886"/>
+            <a:off x="1220142" y="1719145"/>
+            <a:ext cx="9751716" cy="4970658"/>
           </a:xfrm>
           <a:prstGeom prst="rect">
             <a:avLst/>

--- a/docs/Инженерный проект 2021.pptx
+++ b/docs/Инженерный проект 2021.pptx
@@ -264,7 +264,7 @@
           <a:p>
             <a:fld id="{92B6AB1A-FF2F-445C-A9D4-21B91D68CBFC}" type="datetimeFigureOut">
               <a:rPr lang="ru-RU" smtClean="0"/>
-              <a:t>26.06.2021</a:t>
+              <a:t>30.06.2021</a:t>
             </a:fld>
             <a:endParaRPr lang="ru-RU"/>
           </a:p>
@@ -434,7 +434,7 @@
           <a:p>
             <a:fld id="{92B6AB1A-FF2F-445C-A9D4-21B91D68CBFC}" type="datetimeFigureOut">
               <a:rPr lang="ru-RU" smtClean="0"/>
-              <a:t>26.06.2021</a:t>
+              <a:t>30.06.2021</a:t>
             </a:fld>
             <a:endParaRPr lang="ru-RU"/>
           </a:p>
@@ -614,7 +614,7 @@
           <a:p>
             <a:fld id="{92B6AB1A-FF2F-445C-A9D4-21B91D68CBFC}" type="datetimeFigureOut">
               <a:rPr lang="ru-RU" smtClean="0"/>
-              <a:t>26.06.2021</a:t>
+              <a:t>30.06.2021</a:t>
             </a:fld>
             <a:endParaRPr lang="ru-RU"/>
           </a:p>
@@ -784,7 +784,7 @@
           <a:p>
             <a:fld id="{92B6AB1A-FF2F-445C-A9D4-21B91D68CBFC}" type="datetimeFigureOut">
               <a:rPr lang="ru-RU" smtClean="0"/>
-              <a:t>26.06.2021</a:t>
+              <a:t>30.06.2021</a:t>
             </a:fld>
             <a:endParaRPr lang="ru-RU"/>
           </a:p>
@@ -1030,7 +1030,7 @@
           <a:p>
             <a:fld id="{92B6AB1A-FF2F-445C-A9D4-21B91D68CBFC}" type="datetimeFigureOut">
               <a:rPr lang="ru-RU" smtClean="0"/>
-              <a:t>26.06.2021</a:t>
+              <a:t>30.06.2021</a:t>
             </a:fld>
             <a:endParaRPr lang="ru-RU"/>
           </a:p>
@@ -1262,7 +1262,7 @@
           <a:p>
             <a:fld id="{92B6AB1A-FF2F-445C-A9D4-21B91D68CBFC}" type="datetimeFigureOut">
               <a:rPr lang="ru-RU" smtClean="0"/>
-              <a:t>26.06.2021</a:t>
+              <a:t>30.06.2021</a:t>
             </a:fld>
             <a:endParaRPr lang="ru-RU"/>
           </a:p>
@@ -1629,7 +1629,7 @@
           <a:p>
             <a:fld id="{92B6AB1A-FF2F-445C-A9D4-21B91D68CBFC}" type="datetimeFigureOut">
               <a:rPr lang="ru-RU" smtClean="0"/>
-              <a:t>26.06.2021</a:t>
+              <a:t>30.06.2021</a:t>
             </a:fld>
             <a:endParaRPr lang="ru-RU"/>
           </a:p>
@@ -1747,7 +1747,7 @@
           <a:p>
             <a:fld id="{92B6AB1A-FF2F-445C-A9D4-21B91D68CBFC}" type="datetimeFigureOut">
               <a:rPr lang="ru-RU" smtClean="0"/>
-              <a:t>26.06.2021</a:t>
+              <a:t>30.06.2021</a:t>
             </a:fld>
             <a:endParaRPr lang="ru-RU"/>
           </a:p>
@@ -1842,7 +1842,7 @@
           <a:p>
             <a:fld id="{92B6AB1A-FF2F-445C-A9D4-21B91D68CBFC}" type="datetimeFigureOut">
               <a:rPr lang="ru-RU" smtClean="0"/>
-              <a:t>26.06.2021</a:t>
+              <a:t>30.06.2021</a:t>
             </a:fld>
             <a:endParaRPr lang="ru-RU"/>
           </a:p>
@@ -2119,7 +2119,7 @@
           <a:p>
             <a:fld id="{92B6AB1A-FF2F-445C-A9D4-21B91D68CBFC}" type="datetimeFigureOut">
               <a:rPr lang="ru-RU" smtClean="0"/>
-              <a:t>26.06.2021</a:t>
+              <a:t>30.06.2021</a:t>
             </a:fld>
             <a:endParaRPr lang="ru-RU"/>
           </a:p>
@@ -2372,7 +2372,7 @@
           <a:p>
             <a:fld id="{92B6AB1A-FF2F-445C-A9D4-21B91D68CBFC}" type="datetimeFigureOut">
               <a:rPr lang="ru-RU" smtClean="0"/>
-              <a:t>26.06.2021</a:t>
+              <a:t>30.06.2021</a:t>
             </a:fld>
             <a:endParaRPr lang="ru-RU"/>
           </a:p>
@@ -2585,7 +2585,7 @@
           <a:p>
             <a:fld id="{92B6AB1A-FF2F-445C-A9D4-21B91D68CBFC}" type="datetimeFigureOut">
               <a:rPr lang="ru-RU" smtClean="0"/>
-              <a:t>26.06.2021</a:t>
+              <a:t>30.06.2021</a:t>
             </a:fld>
             <a:endParaRPr lang="ru-RU"/>
           </a:p>
@@ -3161,7 +3161,7 @@
       </p:sp>
       <p:pic>
         <p:nvPicPr>
-          <p:cNvPr id="2" name="Рисунок 1"/>
+          <p:cNvPr id="4" name="Рисунок 3"/>
           <p:cNvPicPr>
             <a:picLocks noChangeAspect="1"/>
           </p:cNvPicPr>
@@ -3175,8 +3175,8 @@
         </p:blipFill>
         <p:spPr>
           <a:xfrm>
-            <a:off x="1220142" y="1719145"/>
-            <a:ext cx="9751716" cy="4970658"/>
+            <a:off x="1155700" y="1761357"/>
+            <a:ext cx="9880600" cy="4960886"/>
           </a:xfrm>
           <a:prstGeom prst="rect">
             <a:avLst/>
